--- a/教学课件/10.第十课  读取文件.pptx
+++ b/教学课件/10.第十课  读取文件.pptx
@@ -4807,6 +4807,12 @@
                 <a:sym typeface="+mn-ea"/>
               </a:rPr>
               <a:t>2.</a:t>
+            </a:r>
+            <a:r>
+              <a:rPr lang="zh-CN" altLang="en-US">
+                <a:sym typeface="+mn-ea"/>
+              </a:rPr>
+              <a:t>要求</a:t>
             </a:r>
             <a:r>
               <a:rPr lang="zh-CN" altLang="en-US"/>

--- a/教学课件/10.第十课  读取文件.pptx
+++ b/教学课件/10.第十课  读取文件.pptx
@@ -4411,6 +4411,18 @@
               </a:rPr>
               <a:t>StreamReader读取器</a:t>
             </a:r>
+            <a:r>
+              <a:rPr lang="en-US" altLang="zh-CN" sz="3200" b="1">
+                <a:sym typeface="+mn-ea"/>
+              </a:rPr>
+              <a:t>:</a:t>
+            </a:r>
+            <a:r>
+              <a:rPr lang="zh-CN" altLang="en-US" sz="3200" b="1">
+                <a:sym typeface="+mn-ea"/>
+              </a:rPr>
+              <a:t>使用某种编码读取</a:t>
+            </a:r>
             <a:endParaRPr lang="zh-CN" altLang="en-US" sz="3200" b="1"/>
           </a:p>
           <a:p>
@@ -4433,20 +4445,6 @@
               <a:t>API</a:t>
             </a:r>
             <a:endParaRPr lang="zh-CN" altLang="en-US" b="1"/>
-          </a:p>
-          <a:p>
-            <a:pPr indent="0" fontAlgn="auto">
-              <a:lnSpc>
-                <a:spcPct val="150000"/>
-              </a:lnSpc>
-            </a:pPr>
-            <a:r>
-              <a:rPr lang="zh-CN" altLang="en-US">
-                <a:sym typeface="+mn-ea"/>
-              </a:rPr>
-              <a:t>BaseStream(); </a:t>
-            </a:r>
-            <a:endParaRPr lang="zh-CN" altLang="en-US"/>
           </a:p>
           <a:p>
             <a:pPr indent="0" fontAlgn="auto">
@@ -4573,7 +4571,7 @@
             </a:pPr>
             <a:r>
               <a:rPr lang="zh-CN" altLang="en-US" sz="3200" b="1"/>
-              <a:t>StreamWriter写入器</a:t>
+              <a:t>StreamWriter写入器：用某种编码写入</a:t>
             </a:r>
             <a:endParaRPr lang="zh-CN" altLang="en-US" sz="3200" b="1"/>
           </a:p>

--- a/教学课件/10.第十课  读取文件.pptx
+++ b/教学课件/10.第十课  读取文件.pptx
@@ -4294,9 +4294,13 @@
             </a:r>
             <a:r>
               <a:rPr lang="en-US" altLang="zh-CN"/>
-              <a:t>(); //跟相对位置定位指针 </a:t>
-            </a:r>
-            <a:endParaRPr lang="en-US" altLang="zh-CN"/>
+              <a:t>(); //</a:t>
+            </a:r>
+            <a:r>
+              <a:rPr lang="zh-CN" altLang="en-US"/>
+              <a:t>设置流当前的位置</a:t>
+            </a:r>
+            <a:endParaRPr lang="zh-CN" altLang="en-US"/>
           </a:p>
           <a:p>
             <a:pPr indent="0" fontAlgn="auto">
@@ -4314,7 +4318,15 @@
             </a:r>
             <a:r>
               <a:rPr lang="en-US" altLang="zh-CN"/>
-              <a:t>; //指针位置</a:t>
+              <a:t>; //</a:t>
+            </a:r>
+            <a:r>
+              <a:rPr lang="zh-CN" altLang="en-US"/>
+              <a:t>获取流当前</a:t>
+            </a:r>
+            <a:r>
+              <a:rPr lang="en-US" altLang="zh-CN"/>
+              <a:t>位置</a:t>
             </a:r>
             <a:endParaRPr lang="en-US" altLang="zh-CN"/>
           </a:p>
